--- a/Documentação/Apresentação.pptx
+++ b/Documentação/Apresentação.pptx
@@ -21,6 +21,7 @@
     <p:sldId id="268" r:id="rId15"/>
     <p:sldId id="269" r:id="rId16"/>
     <p:sldId id="270" r:id="rId17"/>
+    <p:sldId id="275" r:id="rId18"/>
   </p:sldIdLst>
   <p:sldSz cx="12192000" cy="6858000"/>
   <p:notesSz cx="6858000" cy="9144000"/>
@@ -353,7 +354,7 @@
           <a:p>
             <a:fld id="{5A069CB8-F204-4D06-B913-C5A26A89888A}" type="datetimeFigureOut">
               <a:rPr lang="en-US" dirty="0"/>
-              <a:t>5/3/2017</a:t>
+              <a:t>5/4/2017</a:t>
             </a:fld>
             <a:endParaRPr lang="en-US" dirty="0"/>
           </a:p>
@@ -556,7 +557,7 @@
           <a:p>
             <a:fld id="{50B6E300-0A13-4A81-945A-7333C271A069}" type="datetimeFigureOut">
               <a:rPr lang="en-US" dirty="0"/>
-              <a:t>5/3/2017</a:t>
+              <a:t>5/4/2017</a:t>
             </a:fld>
             <a:endParaRPr lang="en-US" dirty="0"/>
           </a:p>
@@ -807,7 +808,7 @@
           <a:p>
             <a:fld id="{34671962-1EA4-46E7-BCB0-F36CE46D1A59}" type="datetimeFigureOut">
               <a:rPr lang="en-US" dirty="0"/>
-              <a:t>5/3/2017</a:t>
+              <a:t>5/4/2017</a:t>
             </a:fld>
             <a:endParaRPr lang="en-US" dirty="0"/>
           </a:p>
@@ -972,7 +973,7 @@
           <a:p>
             <a:fld id="{D30BB376-B19C-488D-ABEB-03C7E6E9E3E0}" type="datetimeFigureOut">
               <a:rPr lang="en-US" dirty="0"/>
-              <a:t>5/3/2017</a:t>
+              <a:t>5/4/2017</a:t>
             </a:fld>
             <a:endParaRPr lang="en-US" dirty="0"/>
           </a:p>
@@ -1310,7 +1311,7 @@
           <a:p>
             <a:fld id="{486F077B-A50F-4D64-8574-E2D6A98A5553}" type="datetimeFigureOut">
               <a:rPr lang="en-US" dirty="0"/>
-              <a:t>5/3/2017</a:t>
+              <a:t>5/4/2017</a:t>
             </a:fld>
             <a:endParaRPr lang="en-US" dirty="0"/>
           </a:p>
@@ -1580,7 +1581,7 @@
           <a:p>
             <a:fld id="{7D9E2A62-1983-43A1-A163-D8AA46534C80}" type="datetimeFigureOut">
               <a:rPr lang="en-US" dirty="0"/>
-              <a:t>5/3/2017</a:t>
+              <a:t>5/4/2017</a:t>
             </a:fld>
             <a:endParaRPr lang="en-US" dirty="0"/>
           </a:p>
@@ -1954,7 +1955,7 @@
           <a:p>
             <a:fld id="{898F3E3B-34E3-4345-B2A1-994B83598A9C}" type="datetimeFigureOut">
               <a:rPr lang="en-US" dirty="0"/>
-              <a:t>5/3/2017</a:t>
+              <a:t>5/4/2017</a:t>
             </a:fld>
             <a:endParaRPr lang="en-US" dirty="0"/>
           </a:p>
@@ -2067,7 +2068,7 @@
           <a:p>
             <a:fld id="{FD816C96-82A1-4D77-8ADA-627AC6FE3D65}" type="datetimeFigureOut">
               <a:rPr lang="en-US" dirty="0"/>
-              <a:t>5/3/2017</a:t>
+              <a:t>5/4/2017</a:t>
             </a:fld>
             <a:endParaRPr lang="en-US" dirty="0"/>
           </a:p>
@@ -2233,7 +2234,7 @@
           <a:p>
             <a:fld id="{1D102C1E-28F2-47E9-802D-339E64E2F920}" type="datetimeFigureOut">
               <a:rPr lang="en-US" dirty="0"/>
-              <a:t>5/3/2017</a:t>
+              <a:t>5/4/2017</a:t>
             </a:fld>
             <a:endParaRPr lang="en-US" dirty="0"/>
           </a:p>
@@ -2583,7 +2584,7 @@
           <a:p>
             <a:fld id="{24271A48-F18A-45B3-BC05-1E27DA3F88AF}" type="datetimeFigureOut">
               <a:rPr lang="en-US" dirty="0"/>
-              <a:t>5/3/2017</a:t>
+              <a:t>5/4/2017</a:t>
             </a:fld>
             <a:endParaRPr lang="en-US" dirty="0"/>
           </a:p>
@@ -2956,7 +2957,7 @@
           <a:p>
             <a:fld id="{65B747F8-9654-4282-85D2-65F41AAE7A75}" type="datetimeFigureOut">
               <a:rPr lang="en-US" dirty="0"/>
-              <a:t>5/3/2017</a:t>
+              <a:t>5/4/2017</a:t>
             </a:fld>
             <a:endParaRPr lang="en-US" dirty="0"/>
           </a:p>
@@ -3238,7 +3239,7 @@
           <a:p>
             <a:fld id="{5DC5B261-8843-42D1-AAFC-05E20E2D9B97}" type="datetimeFigureOut">
               <a:rPr lang="en-US" dirty="0"/>
-              <a:t>5/3/2017</a:t>
+              <a:t>5/4/2017</a:t>
             </a:fld>
             <a:endParaRPr lang="en-US" dirty="0"/>
           </a:p>
@@ -6021,6 +6022,86 @@
 </p:sld>
 </file>
 
+<file path=ppt/slides/slide17.xml><?xml version="1.0" encoding="utf-8"?>
+<p:sld xmlns:a="http://schemas.openxmlformats.org/drawingml/2006/main" xmlns:r="http://schemas.openxmlformats.org/officeDocument/2006/relationships" xmlns:p="http://schemas.openxmlformats.org/presentationml/2006/main">
+  <p:cSld>
+    <p:spTree>
+      <p:nvGrpSpPr>
+        <p:cNvPr id="1" name=""/>
+        <p:cNvGrpSpPr/>
+        <p:nvPr/>
+      </p:nvGrpSpPr>
+      <p:grpSpPr>
+        <a:xfrm>
+          <a:off x="0" y="0"/>
+          <a:ext cx="0" cy="0"/>
+          <a:chOff x="0" y="0"/>
+          <a:chExt cx="0" cy="0"/>
+        </a:xfrm>
+      </p:grpSpPr>
+      <p:sp>
+        <p:nvSpPr>
+          <p:cNvPr id="2" name="Título 1"/>
+          <p:cNvSpPr>
+            <a:spLocks noGrp="1"/>
+          </p:cNvSpPr>
+          <p:nvPr>
+            <p:ph type="title"/>
+          </p:nvPr>
+        </p:nvSpPr>
+        <p:spPr/>
+        <p:txBody>
+          <a:bodyPr>
+            <a:normAutofit/>
+          </a:bodyPr>
+          <a:lstStyle/>
+          <a:p>
+            <a:pPr algn="ctr"/>
+            <a:r>
+              <a:rPr lang="pt-BR" sz="8000" b="1" dirty="0"/>
+              <a:t>FIM</a:t>
+            </a:r>
+            <a:endParaRPr lang="en-US" sz="8000" b="1" dirty="0"/>
+          </a:p>
+        </p:txBody>
+      </p:sp>
+      <p:pic>
+        <p:nvPicPr>
+          <p:cNvPr id="4" name="Imagem 3"/>
+          <p:cNvPicPr>
+            <a:picLocks noChangeAspect="1"/>
+          </p:cNvPicPr>
+          <p:nvPr/>
+        </p:nvPicPr>
+        <p:blipFill>
+          <a:blip r:embed="rId2"/>
+          <a:stretch>
+            <a:fillRect/>
+          </a:stretch>
+        </p:blipFill>
+        <p:spPr>
+          <a:xfrm>
+            <a:off x="4831941" y="3127512"/>
+            <a:ext cx="2589078" cy="2589078"/>
+          </a:xfrm>
+          <a:prstGeom prst="rect">
+            <a:avLst/>
+          </a:prstGeom>
+        </p:spPr>
+      </p:pic>
+    </p:spTree>
+    <p:extLst>
+      <p:ext uri="{BB962C8B-B14F-4D97-AF65-F5344CB8AC3E}">
+        <p14:creationId xmlns:p14="http://schemas.microsoft.com/office/powerpoint/2010/main" val="1537916204"/>
+      </p:ext>
+    </p:extLst>
+  </p:cSld>
+  <p:clrMapOvr>
+    <a:masterClrMapping/>
+  </p:clrMapOvr>
+</p:sld>
+</file>
+
 <file path=ppt/slides/slide2.xml><?xml version="1.0" encoding="utf-8"?>
 <p:sld xmlns:a="http://schemas.openxmlformats.org/drawingml/2006/main" xmlns:r="http://schemas.openxmlformats.org/officeDocument/2006/relationships" xmlns:p="http://schemas.openxmlformats.org/presentationml/2006/main">
   <p:cSld>
@@ -6717,7 +6798,7 @@
         <p:spPr/>
         <p:txBody>
           <a:bodyPr>
-            <a:normAutofit fontScale="92500" lnSpcReduction="20000"/>
+            <a:normAutofit/>
           </a:bodyPr>
           <a:lstStyle/>
           <a:p>
@@ -6821,16 +6902,6 @@
               <a:buChar char="•"/>
             </a:pPr>
             <a:endParaRPr lang="pt-BR" sz="2400" dirty="0"/>
-          </a:p>
-          <a:p>
-            <a:pPr lvl="2">
-              <a:buFont typeface="Arial" panose="020B0604020202020204" pitchFamily="34" charset="0"/>
-              <a:buChar char="•"/>
-            </a:pPr>
-            <a:r>
-              <a:rPr lang="pt-BR" sz="2400" dirty="0"/>
-              <a:t>RF003 Histórico de Pedidos</a:t>
-            </a:r>
           </a:p>
           <a:p>
             <a:pPr>
